--- a/이미지/doorAndTemper.pptx
+++ b/이미지/doorAndTemper.pptx
@@ -270,7 +270,7 @@
           <a:p>
             <a:fld id="{587AA51B-17A7-4997-8DF3-33B58285FFE5}" type="datetimeFigureOut">
               <a:rPr lang="ko-KR" altLang="en-US" smtClean="0"/>
-              <a:t>2020-11-27</a:t>
+              <a:t>2020-11-28</a:t>
             </a:fld>
             <a:endParaRPr lang="ko-KR" altLang="en-US"/>
           </a:p>
@@ -468,7 +468,7 @@
           <a:p>
             <a:fld id="{587AA51B-17A7-4997-8DF3-33B58285FFE5}" type="datetimeFigureOut">
               <a:rPr lang="ko-KR" altLang="en-US" smtClean="0"/>
-              <a:t>2020-11-27</a:t>
+              <a:t>2020-11-28</a:t>
             </a:fld>
             <a:endParaRPr lang="ko-KR" altLang="en-US"/>
           </a:p>
@@ -676,7 +676,7 @@
           <a:p>
             <a:fld id="{587AA51B-17A7-4997-8DF3-33B58285FFE5}" type="datetimeFigureOut">
               <a:rPr lang="ko-KR" altLang="en-US" smtClean="0"/>
-              <a:t>2020-11-27</a:t>
+              <a:t>2020-11-28</a:t>
             </a:fld>
             <a:endParaRPr lang="ko-KR" altLang="en-US"/>
           </a:p>
@@ -874,7 +874,7 @@
           <a:p>
             <a:fld id="{587AA51B-17A7-4997-8DF3-33B58285FFE5}" type="datetimeFigureOut">
               <a:rPr lang="ko-KR" altLang="en-US" smtClean="0"/>
-              <a:t>2020-11-27</a:t>
+              <a:t>2020-11-28</a:t>
             </a:fld>
             <a:endParaRPr lang="ko-KR" altLang="en-US"/>
           </a:p>
@@ -1149,7 +1149,7 @@
           <a:p>
             <a:fld id="{587AA51B-17A7-4997-8DF3-33B58285FFE5}" type="datetimeFigureOut">
               <a:rPr lang="ko-KR" altLang="en-US" smtClean="0"/>
-              <a:t>2020-11-27</a:t>
+              <a:t>2020-11-28</a:t>
             </a:fld>
             <a:endParaRPr lang="ko-KR" altLang="en-US"/>
           </a:p>
@@ -1414,7 +1414,7 @@
           <a:p>
             <a:fld id="{587AA51B-17A7-4997-8DF3-33B58285FFE5}" type="datetimeFigureOut">
               <a:rPr lang="ko-KR" altLang="en-US" smtClean="0"/>
-              <a:t>2020-11-27</a:t>
+              <a:t>2020-11-28</a:t>
             </a:fld>
             <a:endParaRPr lang="ko-KR" altLang="en-US"/>
           </a:p>
@@ -1826,7 +1826,7 @@
           <a:p>
             <a:fld id="{587AA51B-17A7-4997-8DF3-33B58285FFE5}" type="datetimeFigureOut">
               <a:rPr lang="ko-KR" altLang="en-US" smtClean="0"/>
-              <a:t>2020-11-27</a:t>
+              <a:t>2020-11-28</a:t>
             </a:fld>
             <a:endParaRPr lang="ko-KR" altLang="en-US"/>
           </a:p>
@@ -1967,7 +1967,7 @@
           <a:p>
             <a:fld id="{587AA51B-17A7-4997-8DF3-33B58285FFE5}" type="datetimeFigureOut">
               <a:rPr lang="ko-KR" altLang="en-US" smtClean="0"/>
-              <a:t>2020-11-27</a:t>
+              <a:t>2020-11-28</a:t>
             </a:fld>
             <a:endParaRPr lang="ko-KR" altLang="en-US"/>
           </a:p>
@@ -2080,7 +2080,7 @@
           <a:p>
             <a:fld id="{587AA51B-17A7-4997-8DF3-33B58285FFE5}" type="datetimeFigureOut">
               <a:rPr lang="ko-KR" altLang="en-US" smtClean="0"/>
-              <a:t>2020-11-27</a:t>
+              <a:t>2020-11-28</a:t>
             </a:fld>
             <a:endParaRPr lang="ko-KR" altLang="en-US"/>
           </a:p>
@@ -2391,7 +2391,7 @@
           <a:p>
             <a:fld id="{587AA51B-17A7-4997-8DF3-33B58285FFE5}" type="datetimeFigureOut">
               <a:rPr lang="ko-KR" altLang="en-US" smtClean="0"/>
-              <a:t>2020-11-27</a:t>
+              <a:t>2020-11-28</a:t>
             </a:fld>
             <a:endParaRPr lang="ko-KR" altLang="en-US"/>
           </a:p>
@@ -2679,7 +2679,7 @@
           <a:p>
             <a:fld id="{587AA51B-17A7-4997-8DF3-33B58285FFE5}" type="datetimeFigureOut">
               <a:rPr lang="ko-KR" altLang="en-US" smtClean="0"/>
-              <a:t>2020-11-27</a:t>
+              <a:t>2020-11-28</a:t>
             </a:fld>
             <a:endParaRPr lang="ko-KR" altLang="en-US"/>
           </a:p>
@@ -2920,7 +2920,7 @@
           <a:p>
             <a:fld id="{587AA51B-17A7-4997-8DF3-33B58285FFE5}" type="datetimeFigureOut">
               <a:rPr lang="ko-KR" altLang="en-US" smtClean="0"/>
-              <a:t>2020-11-27</a:t>
+              <a:t>2020-11-28</a:t>
             </a:fld>
             <a:endParaRPr lang="ko-KR" altLang="en-US"/>
           </a:p>
@@ -3337,6 +3337,132 @@
           <a:chExt cx="0" cy="0"/>
         </a:xfrm>
       </p:grpSpPr>
+      <p:sp>
+        <p:nvSpPr>
+          <p:cNvPr id="28" name="직사각형 27"/>
+          <p:cNvSpPr/>
+          <p:nvPr/>
+        </p:nvSpPr>
+        <p:spPr>
+          <a:xfrm>
+            <a:off x="1275847" y="4096454"/>
+            <a:ext cx="3897932" cy="1596775"/>
+          </a:xfrm>
+          <a:prstGeom prst="rect">
+            <a:avLst/>
+          </a:prstGeom>
+          <a:gradFill flip="none" rotWithShape="1">
+            <a:gsLst>
+              <a:gs pos="0">
+                <a:schemeClr val="accent2">
+                  <a:tint val="66000"/>
+                  <a:satMod val="160000"/>
+                </a:schemeClr>
+              </a:gs>
+              <a:gs pos="50000">
+                <a:schemeClr val="accent2">
+                  <a:tint val="44500"/>
+                  <a:satMod val="160000"/>
+                </a:schemeClr>
+              </a:gs>
+              <a:gs pos="100000">
+                <a:schemeClr val="accent2">
+                  <a:tint val="23500"/>
+                  <a:satMod val="160000"/>
+                </a:schemeClr>
+              </a:gs>
+            </a:gsLst>
+            <a:lin ang="16200000" scaled="1"/>
+            <a:tileRect/>
+          </a:gradFill>
+          <a:ln/>
+        </p:spPr>
+        <p:style>
+          <a:lnRef idx="1">
+            <a:schemeClr val="accent2"/>
+          </a:lnRef>
+          <a:fillRef idx="2">
+            <a:schemeClr val="accent2"/>
+          </a:fillRef>
+          <a:effectRef idx="1">
+            <a:schemeClr val="accent2"/>
+          </a:effectRef>
+          <a:fontRef idx="minor">
+            <a:schemeClr val="dk1"/>
+          </a:fontRef>
+        </p:style>
+        <p:txBody>
+          <a:bodyPr rtlCol="0" anchor="ctr"/>
+          <a:lstStyle/>
+          <a:p>
+            <a:pPr algn="ctr"/>
+            <a:endParaRPr lang="ko-KR" altLang="en-US"/>
+          </a:p>
+        </p:txBody>
+      </p:sp>
+      <p:sp>
+        <p:nvSpPr>
+          <p:cNvPr id="11" name="직사각형 10"/>
+          <p:cNvSpPr/>
+          <p:nvPr/>
+        </p:nvSpPr>
+        <p:spPr>
+          <a:xfrm>
+            <a:off x="1275847" y="819570"/>
+            <a:ext cx="3897932" cy="1596775"/>
+          </a:xfrm>
+          <a:prstGeom prst="rect">
+            <a:avLst/>
+          </a:prstGeom>
+          <a:gradFill flip="none" rotWithShape="1">
+            <a:gsLst>
+              <a:gs pos="0">
+                <a:schemeClr val="accent2">
+                  <a:tint val="66000"/>
+                  <a:satMod val="160000"/>
+                </a:schemeClr>
+              </a:gs>
+              <a:gs pos="50000">
+                <a:schemeClr val="accent2">
+                  <a:tint val="44500"/>
+                  <a:satMod val="160000"/>
+                </a:schemeClr>
+              </a:gs>
+              <a:gs pos="100000">
+                <a:schemeClr val="accent2">
+                  <a:tint val="23500"/>
+                  <a:satMod val="160000"/>
+                </a:schemeClr>
+              </a:gs>
+            </a:gsLst>
+            <a:lin ang="16200000" scaled="1"/>
+            <a:tileRect/>
+          </a:gradFill>
+          <a:ln/>
+        </p:spPr>
+        <p:style>
+          <a:lnRef idx="1">
+            <a:schemeClr val="accent6"/>
+          </a:lnRef>
+          <a:fillRef idx="2">
+            <a:schemeClr val="accent6"/>
+          </a:fillRef>
+          <a:effectRef idx="1">
+            <a:schemeClr val="accent6"/>
+          </a:effectRef>
+          <a:fontRef idx="minor">
+            <a:schemeClr val="dk1"/>
+          </a:fontRef>
+        </p:style>
+        <p:txBody>
+          <a:bodyPr rtlCol="0" anchor="ctr"/>
+          <a:lstStyle/>
+          <a:p>
+            <a:pPr algn="ctr"/>
+            <a:endParaRPr lang="ko-KR" altLang="en-US"/>
+          </a:p>
+        </p:txBody>
+      </p:sp>
       <p:pic>
         <p:nvPicPr>
           <p:cNvPr id="10" name="그림 9">
@@ -3891,7 +4017,7 @@
         </p:nvSpPr>
         <p:spPr>
           <a:xfrm rot="2700000">
-            <a:off x="3334139" y="5204331"/>
+            <a:off x="11431078" y="4185087"/>
             <a:ext cx="324953" cy="324953"/>
           </a:xfrm>
           <a:prstGeom prst="halfFrame">
@@ -3950,7 +4076,7 @@
         </p:nvSpPr>
         <p:spPr>
           <a:xfrm rot="18900000" flipV="1">
-            <a:off x="2003179" y="4974553"/>
+            <a:off x="10100118" y="3955309"/>
             <a:ext cx="324953" cy="324953"/>
           </a:xfrm>
           <a:prstGeom prst="halfFrame">
@@ -4009,7 +4135,7 @@
         </p:nvSpPr>
         <p:spPr>
           <a:xfrm>
-            <a:off x="1789133" y="4745457"/>
+            <a:off x="9886072" y="3726213"/>
             <a:ext cx="730547" cy="933144"/>
           </a:xfrm>
           <a:prstGeom prst="rect">
@@ -4061,7 +4187,7 @@
         </p:nvSpPr>
         <p:spPr>
           <a:xfrm>
-            <a:off x="3121181" y="4745457"/>
+            <a:off x="11218120" y="3726213"/>
             <a:ext cx="730547" cy="933144"/>
           </a:xfrm>
           <a:prstGeom prst="rect">
@@ -4099,6 +4225,744 @@
           </a:p>
         </p:txBody>
       </p:sp>
+      <p:sp>
+        <p:nvSpPr>
+          <p:cNvPr id="29" name="TextBox 28"/>
+          <p:cNvSpPr txBox="1"/>
+          <p:nvPr/>
+        </p:nvSpPr>
+        <p:spPr>
+          <a:xfrm>
+            <a:off x="2750280" y="924560"/>
+            <a:ext cx="896400" cy="611899"/>
+          </a:xfrm>
+          <a:prstGeom prst="rect">
+            <a:avLst/>
+          </a:prstGeom>
+          <a:noFill/>
+        </p:spPr>
+        <p:txBody>
+          <a:bodyPr wrap="none" rtlCol="0">
+            <a:spAutoFit/>
+          </a:bodyPr>
+          <a:lstStyle/>
+          <a:p>
+            <a:pPr algn="ctr">
+              <a:lnSpc>
+                <a:spcPct val="70000"/>
+              </a:lnSpc>
+            </a:pPr>
+            <a:r>
+              <a:rPr lang="en-US" altLang="ko-KR" sz="2400" dirty="0" smtClean="0"/>
+              <a:t>Door</a:t>
+            </a:r>
+          </a:p>
+          <a:p>
+            <a:pPr algn="ctr">
+              <a:lnSpc>
+                <a:spcPct val="70000"/>
+              </a:lnSpc>
+            </a:pPr>
+            <a:r>
+              <a:rPr lang="en-US" altLang="ko-KR" sz="2400" dirty="0" smtClean="0"/>
+              <a:t>open</a:t>
+            </a:r>
+            <a:endParaRPr lang="ko-KR" altLang="en-US" sz="2400" dirty="0"/>
+          </a:p>
+        </p:txBody>
+      </p:sp>
+      <p:sp>
+        <p:nvSpPr>
+          <p:cNvPr id="30" name="TextBox 29"/>
+          <p:cNvSpPr txBox="1"/>
+          <p:nvPr/>
+        </p:nvSpPr>
+        <p:spPr>
+          <a:xfrm>
+            <a:off x="2783025" y="4181900"/>
+            <a:ext cx="883575" cy="609398"/>
+          </a:xfrm>
+          <a:prstGeom prst="rect">
+            <a:avLst/>
+          </a:prstGeom>
+          <a:noFill/>
+        </p:spPr>
+        <p:txBody>
+          <a:bodyPr wrap="none" rtlCol="0">
+            <a:spAutoFit/>
+          </a:bodyPr>
+          <a:lstStyle/>
+          <a:p>
+            <a:pPr algn="ctr">
+              <a:lnSpc>
+                <a:spcPct val="70000"/>
+              </a:lnSpc>
+            </a:pPr>
+            <a:r>
+              <a:rPr lang="en-US" altLang="ko-KR" sz="2400" dirty="0" smtClean="0"/>
+              <a:t>Door</a:t>
+            </a:r>
+          </a:p>
+          <a:p>
+            <a:pPr algn="ctr">
+              <a:lnSpc>
+                <a:spcPct val="70000"/>
+              </a:lnSpc>
+            </a:pPr>
+            <a:r>
+              <a:rPr lang="en-US" altLang="ko-KR" sz="2400" dirty="0" smtClean="0"/>
+              <a:t>close</a:t>
+            </a:r>
+            <a:endParaRPr lang="ko-KR" altLang="en-US" sz="2400" dirty="0"/>
+          </a:p>
+        </p:txBody>
+      </p:sp>
+      <p:sp>
+        <p:nvSpPr>
+          <p:cNvPr id="31" name="직사각형 30"/>
+          <p:cNvSpPr/>
+          <p:nvPr/>
+        </p:nvSpPr>
+        <p:spPr>
+          <a:xfrm>
+            <a:off x="1066211" y="8206165"/>
+            <a:ext cx="3897932" cy="1596775"/>
+          </a:xfrm>
+          <a:prstGeom prst="rect">
+            <a:avLst/>
+          </a:prstGeom>
+          <a:gradFill flip="none" rotWithShape="1">
+            <a:gsLst>
+              <a:gs pos="0">
+                <a:srgbClr val="FF0000">
+                  <a:tint val="66000"/>
+                  <a:satMod val="160000"/>
+                </a:srgbClr>
+              </a:gs>
+              <a:gs pos="50000">
+                <a:srgbClr val="FF0000">
+                  <a:tint val="44500"/>
+                  <a:satMod val="160000"/>
+                </a:srgbClr>
+              </a:gs>
+              <a:gs pos="100000">
+                <a:srgbClr val="FF0000">
+                  <a:tint val="23500"/>
+                  <a:satMod val="160000"/>
+                </a:srgbClr>
+              </a:gs>
+            </a:gsLst>
+            <a:lin ang="16200000" scaled="1"/>
+            <a:tileRect/>
+          </a:gradFill>
+          <a:ln/>
+        </p:spPr>
+        <p:style>
+          <a:lnRef idx="1">
+            <a:schemeClr val="accent2"/>
+          </a:lnRef>
+          <a:fillRef idx="2">
+            <a:schemeClr val="accent2"/>
+          </a:fillRef>
+          <a:effectRef idx="1">
+            <a:schemeClr val="accent2"/>
+          </a:effectRef>
+          <a:fontRef idx="minor">
+            <a:schemeClr val="dk1"/>
+          </a:fontRef>
+        </p:style>
+        <p:txBody>
+          <a:bodyPr rtlCol="0" anchor="ctr"/>
+          <a:lstStyle/>
+          <a:p>
+            <a:pPr algn="ctr"/>
+            <a:endParaRPr lang="ko-KR" altLang="en-US"/>
+          </a:p>
+        </p:txBody>
+      </p:sp>
+      <p:sp>
+        <p:nvSpPr>
+          <p:cNvPr id="32" name="직사각형 31"/>
+          <p:cNvSpPr/>
+          <p:nvPr/>
+        </p:nvSpPr>
+        <p:spPr>
+          <a:xfrm>
+            <a:off x="1066211" y="6313541"/>
+            <a:ext cx="3897932" cy="1596775"/>
+          </a:xfrm>
+          <a:prstGeom prst="rect">
+            <a:avLst/>
+          </a:prstGeom>
+          <a:gradFill flip="none" rotWithShape="1">
+            <a:gsLst>
+              <a:gs pos="0">
+                <a:srgbClr val="00B050">
+                  <a:tint val="66000"/>
+                  <a:satMod val="160000"/>
+                </a:srgbClr>
+              </a:gs>
+              <a:gs pos="50000">
+                <a:srgbClr val="00B050">
+                  <a:tint val="44500"/>
+                  <a:satMod val="160000"/>
+                </a:srgbClr>
+              </a:gs>
+              <a:gs pos="100000">
+                <a:srgbClr val="00B050">
+                  <a:tint val="23500"/>
+                  <a:satMod val="160000"/>
+                </a:srgbClr>
+              </a:gs>
+            </a:gsLst>
+            <a:lin ang="16200000" scaled="1"/>
+            <a:tileRect/>
+          </a:gradFill>
+          <a:ln/>
+        </p:spPr>
+        <p:style>
+          <a:lnRef idx="1">
+            <a:schemeClr val="accent6"/>
+          </a:lnRef>
+          <a:fillRef idx="2">
+            <a:schemeClr val="accent6"/>
+          </a:fillRef>
+          <a:effectRef idx="1">
+            <a:schemeClr val="accent6"/>
+          </a:effectRef>
+          <a:fontRef idx="minor">
+            <a:schemeClr val="dk1"/>
+          </a:fontRef>
+        </p:style>
+        <p:txBody>
+          <a:bodyPr rtlCol="0" anchor="ctr"/>
+          <a:lstStyle/>
+          <a:p>
+            <a:pPr algn="ctr"/>
+            <a:endParaRPr lang="ko-KR" altLang="en-US"/>
+          </a:p>
+        </p:txBody>
+      </p:sp>
+      <p:pic>
+        <p:nvPicPr>
+          <p:cNvPr id="33" name="그림 32"/>
+          <p:cNvPicPr>
+            <a:picLocks noChangeAspect="1"/>
+          </p:cNvPicPr>
+          <p:nvPr/>
+        </p:nvPicPr>
+        <p:blipFill>
+          <a:blip r:embed="rId4">
+            <a:extLst>
+              <a:ext uri="{28A0092B-C50C-407E-A947-70E740481C1C}">
+                <a14:useLocalDpi xmlns:a14="http://schemas.microsoft.com/office/drawing/2010/main" val="0"/>
+              </a:ext>
+            </a:extLst>
+          </a:blip>
+          <a:stretch>
+            <a:fillRect/>
+          </a:stretch>
+        </p:blipFill>
+        <p:spPr>
+          <a:xfrm>
+            <a:off x="2532869" y="8865783"/>
+            <a:ext cx="964615" cy="969537"/>
+          </a:xfrm>
+          <a:prstGeom prst="rect">
+            <a:avLst/>
+          </a:prstGeom>
+        </p:spPr>
+      </p:pic>
+      <p:pic>
+        <p:nvPicPr>
+          <p:cNvPr id="34" name="그림 33"/>
+          <p:cNvPicPr>
+            <a:picLocks noChangeAspect="1"/>
+          </p:cNvPicPr>
+          <p:nvPr/>
+        </p:nvPicPr>
+        <p:blipFill>
+          <a:blip r:embed="rId5">
+            <a:extLst>
+              <a:ext uri="{28A0092B-C50C-407E-A947-70E740481C1C}">
+                <a14:useLocalDpi xmlns:a14="http://schemas.microsoft.com/office/drawing/2010/main" val="0"/>
+              </a:ext>
+            </a:extLst>
+          </a:blip>
+          <a:stretch>
+            <a:fillRect/>
+          </a:stretch>
+        </p:blipFill>
+        <p:spPr>
+          <a:xfrm>
+            <a:off x="2312342" y="6737413"/>
+            <a:ext cx="1324517" cy="1384972"/>
+          </a:xfrm>
+          <a:prstGeom prst="rect">
+            <a:avLst/>
+          </a:prstGeom>
+        </p:spPr>
+      </p:pic>
+      <p:sp>
+        <p:nvSpPr>
+          <p:cNvPr id="35" name="TextBox 34"/>
+          <p:cNvSpPr txBox="1"/>
+          <p:nvPr/>
+        </p:nvSpPr>
+        <p:spPr>
+          <a:xfrm>
+            <a:off x="2458851" y="6406920"/>
+            <a:ext cx="1031500" cy="609398"/>
+          </a:xfrm>
+          <a:prstGeom prst="rect">
+            <a:avLst/>
+          </a:prstGeom>
+          <a:noFill/>
+        </p:spPr>
+        <p:txBody>
+          <a:bodyPr wrap="none" rtlCol="0">
+            <a:spAutoFit/>
+          </a:bodyPr>
+          <a:lstStyle/>
+          <a:p>
+            <a:pPr algn="ctr">
+              <a:lnSpc>
+                <a:spcPct val="70000"/>
+              </a:lnSpc>
+            </a:pPr>
+            <a:r>
+              <a:rPr lang="en-US" altLang="ko-KR" sz="2400" dirty="0" smtClean="0"/>
+              <a:t>Power</a:t>
+            </a:r>
+          </a:p>
+          <a:p>
+            <a:pPr algn="ctr">
+              <a:lnSpc>
+                <a:spcPct val="70000"/>
+              </a:lnSpc>
+            </a:pPr>
+            <a:r>
+              <a:rPr lang="en-US" altLang="ko-KR" sz="2400" dirty="0" smtClean="0"/>
+              <a:t>on</a:t>
+            </a:r>
+            <a:endParaRPr lang="ko-KR" altLang="en-US" sz="2400" dirty="0"/>
+          </a:p>
+        </p:txBody>
+      </p:sp>
+      <p:sp>
+        <p:nvSpPr>
+          <p:cNvPr id="36" name="TextBox 35"/>
+          <p:cNvSpPr txBox="1"/>
+          <p:nvPr/>
+        </p:nvSpPr>
+        <p:spPr>
+          <a:xfrm>
+            <a:off x="2499426" y="8291611"/>
+            <a:ext cx="1031500" cy="609398"/>
+          </a:xfrm>
+          <a:prstGeom prst="rect">
+            <a:avLst/>
+          </a:prstGeom>
+          <a:noFill/>
+        </p:spPr>
+        <p:txBody>
+          <a:bodyPr wrap="none" rtlCol="0">
+            <a:spAutoFit/>
+          </a:bodyPr>
+          <a:lstStyle/>
+          <a:p>
+            <a:pPr algn="ctr">
+              <a:lnSpc>
+                <a:spcPct val="70000"/>
+              </a:lnSpc>
+            </a:pPr>
+            <a:r>
+              <a:rPr lang="en-US" altLang="ko-KR" sz="2400" dirty="0" smtClean="0"/>
+              <a:t>Power</a:t>
+            </a:r>
+          </a:p>
+          <a:p>
+            <a:pPr algn="ctr">
+              <a:lnSpc>
+                <a:spcPct val="70000"/>
+              </a:lnSpc>
+            </a:pPr>
+            <a:r>
+              <a:rPr lang="en-US" altLang="ko-KR" sz="2400" dirty="0" smtClean="0"/>
+              <a:t>off</a:t>
+            </a:r>
+            <a:endParaRPr lang="ko-KR" altLang="en-US" sz="2400" dirty="0"/>
+          </a:p>
+        </p:txBody>
+      </p:sp>
+      <p:sp>
+        <p:nvSpPr>
+          <p:cNvPr id="37" name="직사각형 36"/>
+          <p:cNvSpPr/>
+          <p:nvPr/>
+        </p:nvSpPr>
+        <p:spPr>
+          <a:xfrm>
+            <a:off x="-3195132" y="4096454"/>
+            <a:ext cx="3897932" cy="1596775"/>
+          </a:xfrm>
+          <a:prstGeom prst="rect">
+            <a:avLst/>
+          </a:prstGeom>
+          <a:solidFill>
+            <a:schemeClr val="bg1"/>
+          </a:solidFill>
+          <a:ln/>
+        </p:spPr>
+        <p:style>
+          <a:lnRef idx="1">
+            <a:schemeClr val="accent2"/>
+          </a:lnRef>
+          <a:fillRef idx="2">
+            <a:schemeClr val="accent2"/>
+          </a:fillRef>
+          <a:effectRef idx="1">
+            <a:schemeClr val="accent2"/>
+          </a:effectRef>
+          <a:fontRef idx="minor">
+            <a:schemeClr val="dk1"/>
+          </a:fontRef>
+        </p:style>
+        <p:txBody>
+          <a:bodyPr rtlCol="0" anchor="ctr"/>
+          <a:lstStyle/>
+          <a:p>
+            <a:pPr algn="ctr"/>
+            <a:endParaRPr lang="ko-KR" altLang="en-US"/>
+          </a:p>
+        </p:txBody>
+      </p:sp>
+      <p:sp>
+        <p:nvSpPr>
+          <p:cNvPr id="38" name="직사각형 37"/>
+          <p:cNvSpPr/>
+          <p:nvPr/>
+        </p:nvSpPr>
+        <p:spPr>
+          <a:xfrm>
+            <a:off x="-3195132" y="819570"/>
+            <a:ext cx="3897932" cy="1596775"/>
+          </a:xfrm>
+          <a:prstGeom prst="rect">
+            <a:avLst/>
+          </a:prstGeom>
+          <a:solidFill>
+            <a:schemeClr val="bg1"/>
+          </a:solidFill>
+          <a:ln/>
+        </p:spPr>
+        <p:style>
+          <a:lnRef idx="1">
+            <a:schemeClr val="accent6"/>
+          </a:lnRef>
+          <a:fillRef idx="2">
+            <a:schemeClr val="accent6"/>
+          </a:fillRef>
+          <a:effectRef idx="1">
+            <a:schemeClr val="accent6"/>
+          </a:effectRef>
+          <a:fontRef idx="minor">
+            <a:schemeClr val="dk1"/>
+          </a:fontRef>
+        </p:style>
+        <p:txBody>
+          <a:bodyPr rtlCol="0" anchor="ctr"/>
+          <a:lstStyle/>
+          <a:p>
+            <a:pPr algn="ctr"/>
+            <a:endParaRPr lang="ko-KR" altLang="en-US"/>
+          </a:p>
+        </p:txBody>
+      </p:sp>
+      <p:pic>
+        <p:nvPicPr>
+          <p:cNvPr id="39" name="그림 38"/>
+          <p:cNvPicPr>
+            <a:picLocks noChangeAspect="1"/>
+          </p:cNvPicPr>
+          <p:nvPr/>
+        </p:nvPicPr>
+        <p:blipFill>
+          <a:blip r:embed="rId4">
+            <a:extLst>
+              <a:ext uri="{28A0092B-C50C-407E-A947-70E740481C1C}">
+                <a14:useLocalDpi xmlns:a14="http://schemas.microsoft.com/office/drawing/2010/main" val="0"/>
+              </a:ext>
+            </a:extLst>
+          </a:blip>
+          <a:stretch>
+            <a:fillRect/>
+          </a:stretch>
+        </p:blipFill>
+        <p:spPr>
+          <a:xfrm>
+            <a:off x="-1728474" y="4723414"/>
+            <a:ext cx="964615" cy="969537"/>
+          </a:xfrm>
+          <a:prstGeom prst="rect">
+            <a:avLst/>
+          </a:prstGeom>
+        </p:spPr>
+      </p:pic>
+      <p:pic>
+        <p:nvPicPr>
+          <p:cNvPr id="40" name="그림 39"/>
+          <p:cNvPicPr>
+            <a:picLocks noChangeAspect="1"/>
+          </p:cNvPicPr>
+          <p:nvPr/>
+        </p:nvPicPr>
+        <p:blipFill>
+          <a:blip r:embed="rId5">
+            <a:extLst>
+              <a:ext uri="{28A0092B-C50C-407E-A947-70E740481C1C}">
+                <a14:useLocalDpi xmlns:a14="http://schemas.microsoft.com/office/drawing/2010/main" val="0"/>
+              </a:ext>
+            </a:extLst>
+          </a:blip>
+          <a:stretch>
+            <a:fillRect/>
+          </a:stretch>
+        </p:blipFill>
+        <p:spPr>
+          <a:xfrm>
+            <a:off x="-1908426" y="1230575"/>
+            <a:ext cx="1324517" cy="1384972"/>
+          </a:xfrm>
+          <a:prstGeom prst="rect">
+            <a:avLst/>
+          </a:prstGeom>
+        </p:spPr>
+      </p:pic>
+      <p:sp>
+        <p:nvSpPr>
+          <p:cNvPr id="41" name="TextBox 40"/>
+          <p:cNvSpPr txBox="1"/>
+          <p:nvPr/>
+        </p:nvSpPr>
+        <p:spPr>
+          <a:xfrm>
+            <a:off x="-1802492" y="912949"/>
+            <a:ext cx="1031500" cy="609398"/>
+          </a:xfrm>
+          <a:prstGeom prst="rect">
+            <a:avLst/>
+          </a:prstGeom>
+          <a:noFill/>
+        </p:spPr>
+        <p:txBody>
+          <a:bodyPr wrap="none" rtlCol="0">
+            <a:spAutoFit/>
+          </a:bodyPr>
+          <a:lstStyle/>
+          <a:p>
+            <a:pPr algn="ctr">
+              <a:lnSpc>
+                <a:spcPct val="70000"/>
+              </a:lnSpc>
+            </a:pPr>
+            <a:r>
+              <a:rPr lang="en-US" altLang="ko-KR" sz="2400" dirty="0" smtClean="0"/>
+              <a:t>Power</a:t>
+            </a:r>
+          </a:p>
+          <a:p>
+            <a:pPr algn="ctr">
+              <a:lnSpc>
+                <a:spcPct val="70000"/>
+              </a:lnSpc>
+            </a:pPr>
+            <a:r>
+              <a:rPr lang="en-US" altLang="ko-KR" sz="2400" dirty="0" smtClean="0"/>
+              <a:t>on</a:t>
+            </a:r>
+            <a:endParaRPr lang="ko-KR" altLang="en-US" sz="2400" dirty="0"/>
+          </a:p>
+        </p:txBody>
+      </p:sp>
+      <p:sp>
+        <p:nvSpPr>
+          <p:cNvPr id="42" name="TextBox 41"/>
+          <p:cNvSpPr txBox="1"/>
+          <p:nvPr/>
+        </p:nvSpPr>
+        <p:spPr>
+          <a:xfrm>
+            <a:off x="-1761917" y="4181900"/>
+            <a:ext cx="1031500" cy="609398"/>
+          </a:xfrm>
+          <a:prstGeom prst="rect">
+            <a:avLst/>
+          </a:prstGeom>
+          <a:noFill/>
+        </p:spPr>
+        <p:txBody>
+          <a:bodyPr wrap="none" rtlCol="0">
+            <a:spAutoFit/>
+          </a:bodyPr>
+          <a:lstStyle/>
+          <a:p>
+            <a:pPr algn="ctr">
+              <a:lnSpc>
+                <a:spcPct val="70000"/>
+              </a:lnSpc>
+            </a:pPr>
+            <a:r>
+              <a:rPr lang="en-US" altLang="ko-KR" sz="2400" dirty="0" smtClean="0"/>
+              <a:t>Power</a:t>
+            </a:r>
+          </a:p>
+          <a:p>
+            <a:pPr algn="ctr">
+              <a:lnSpc>
+                <a:spcPct val="70000"/>
+              </a:lnSpc>
+            </a:pPr>
+            <a:r>
+              <a:rPr lang="en-US" altLang="ko-KR" sz="2400" dirty="0" smtClean="0"/>
+              <a:t>off</a:t>
+            </a:r>
+            <a:endParaRPr lang="ko-KR" altLang="en-US" sz="2400" dirty="0"/>
+          </a:p>
+        </p:txBody>
+      </p:sp>
+      <p:pic>
+        <p:nvPicPr>
+          <p:cNvPr id="45" name="그림 44">
+            <a:extLst>
+              <a:ext uri="{FF2B5EF4-FFF2-40B4-BE49-F238E27FC236}">
+                <a16:creationId xmlns:a16="http://schemas.microsoft.com/office/drawing/2014/main" id="{1F70F847-F3DA-4B32-A52F-9962204103D3}"/>
+              </a:ext>
+            </a:extLst>
+          </p:cNvPr>
+          <p:cNvPicPr>
+            <a:picLocks noChangeAspect="1"/>
+          </p:cNvPicPr>
+          <p:nvPr/>
+        </p:nvPicPr>
+        <p:blipFill>
+          <a:blip r:embed="rId3">
+            <a:extLst>
+              <a:ext uri="{28A0092B-C50C-407E-A947-70E740481C1C}">
+                <a14:useLocalDpi xmlns:a14="http://schemas.microsoft.com/office/drawing/2010/main" val="0"/>
+              </a:ext>
+            </a:extLst>
+          </a:blip>
+          <a:stretch>
+            <a:fillRect/>
+          </a:stretch>
+        </p:blipFill>
+        <p:spPr>
+          <a:xfrm>
+            <a:off x="7305224" y="3814250"/>
+            <a:ext cx="1073669" cy="1163140"/>
+          </a:xfrm>
+          <a:prstGeom prst="rect">
+            <a:avLst/>
+          </a:prstGeom>
+        </p:spPr>
+      </p:pic>
+      <p:pic>
+        <p:nvPicPr>
+          <p:cNvPr id="46" name="그림 45">
+            <a:extLst>
+              <a:ext uri="{FF2B5EF4-FFF2-40B4-BE49-F238E27FC236}">
+                <a16:creationId xmlns:a16="http://schemas.microsoft.com/office/drawing/2014/main" id="{8C03CB45-DDD4-4BBF-B6B9-921A1250A690}"/>
+              </a:ext>
+            </a:extLst>
+          </p:cNvPr>
+          <p:cNvPicPr>
+            <a:picLocks noChangeAspect="1"/>
+          </p:cNvPicPr>
+          <p:nvPr/>
+        </p:nvPicPr>
+        <p:blipFill>
+          <a:blip r:embed="rId2">
+            <a:extLst>
+              <a:ext uri="{28A0092B-C50C-407E-A947-70E740481C1C}">
+                <a14:useLocalDpi xmlns:a14="http://schemas.microsoft.com/office/drawing/2010/main" val="0"/>
+              </a:ext>
+            </a:extLst>
+          </a:blip>
+          <a:stretch>
+            <a:fillRect/>
+          </a:stretch>
+        </p:blipFill>
+        <p:spPr>
+          <a:xfrm>
+            <a:off x="7369769" y="5319807"/>
+            <a:ext cx="1055773" cy="1163140"/>
+          </a:xfrm>
+          <a:prstGeom prst="rect">
+            <a:avLst/>
+          </a:prstGeom>
+        </p:spPr>
+      </p:pic>
+      <p:pic>
+        <p:nvPicPr>
+          <p:cNvPr id="47" name="그림 46"/>
+          <p:cNvPicPr>
+            <a:picLocks noChangeAspect="1"/>
+          </p:cNvPicPr>
+          <p:nvPr/>
+        </p:nvPicPr>
+        <p:blipFill>
+          <a:blip r:embed="rId6">
+            <a:extLst>
+              <a:ext uri="{28A0092B-C50C-407E-A947-70E740481C1C}">
+                <a14:useLocalDpi xmlns:a14="http://schemas.microsoft.com/office/drawing/2010/main" val="0"/>
+              </a:ext>
+            </a:extLst>
+          </a:blip>
+          <a:stretch>
+            <a:fillRect/>
+          </a:stretch>
+        </p:blipFill>
+        <p:spPr>
+          <a:xfrm>
+            <a:off x="2508004" y="1254621"/>
+            <a:ext cx="1380952" cy="1380952"/>
+          </a:xfrm>
+          <a:prstGeom prst="rect">
+            <a:avLst/>
+          </a:prstGeom>
+        </p:spPr>
+      </p:pic>
+      <p:pic>
+        <p:nvPicPr>
+          <p:cNvPr id="48" name="그림 47"/>
+          <p:cNvPicPr>
+            <a:picLocks noChangeAspect="1"/>
+          </p:cNvPicPr>
+          <p:nvPr/>
+        </p:nvPicPr>
+        <p:blipFill>
+          <a:blip r:embed="rId7">
+            <a:extLst>
+              <a:ext uri="{28A0092B-C50C-407E-A947-70E740481C1C}">
+                <a14:useLocalDpi xmlns:a14="http://schemas.microsoft.com/office/drawing/2010/main" val="0"/>
+              </a:ext>
+            </a:extLst>
+          </a:blip>
+          <a:stretch>
+            <a:fillRect/>
+          </a:stretch>
+        </p:blipFill>
+        <p:spPr>
+          <a:xfrm>
+            <a:off x="2429573" y="4513181"/>
+            <a:ext cx="1590476" cy="1361905"/>
+          </a:xfrm>
+          <a:prstGeom prst="rect">
+            <a:avLst/>
+          </a:prstGeom>
+        </p:spPr>
+      </p:pic>
     </p:spTree>
     <p:extLst>
       <p:ext uri="{BB962C8B-B14F-4D97-AF65-F5344CB8AC3E}">
